--- a/ppt/12_介面.pptx
+++ b/ppt/12_介面.pptx
@@ -2,7 +2,7 @@
 <file path=ppt/presentation.xml><?xml version="1.0" encoding="utf-8"?>
 <p:presentation xmlns:a="http://schemas.openxmlformats.org/drawingml/2006/main" xmlns:r="http://schemas.openxmlformats.org/officeDocument/2006/relationships" xmlns:p="http://schemas.openxmlformats.org/presentationml/2006/main" saveSubsetFonts="1">
   <p:sldMasterIdLst>
-    <p:sldMasterId id="2147483673" r:id="rId1"/>
+    <p:sldMasterId id="2147483678" r:id="rId1"/>
   </p:sldMasterIdLst>
   <p:sldIdLst>
     <p:sldId id="256" r:id="rId2"/>
@@ -248,14 +248,14 @@
     </p:spTree>
     <p:extLst>
       <p:ext uri="{BB962C8B-B14F-4D97-AF65-F5344CB8AC3E}">
-        <p14:creationId xmlns:p14="http://schemas.microsoft.com/office/powerpoint/2010/main" val="1699875184"/>
+        <p14:creationId xmlns:p14="http://schemas.microsoft.com/office/powerpoint/2010/main" val="1715927953"/>
       </p:ext>
     </p:extLst>
   </p:cSld>
   <p:clrMapOvr>
     <a:masterClrMapping/>
   </p:clrMapOvr>
-  <p:transition spd="slow">
+  <p:transition>
     <p:push dir="u"/>
   </p:transition>
 </p:sldLayout>
@@ -632,14 +632,14 @@
     </p:spTree>
     <p:extLst>
       <p:ext uri="{BB962C8B-B14F-4D97-AF65-F5344CB8AC3E}">
-        <p14:creationId xmlns:p14="http://schemas.microsoft.com/office/powerpoint/2010/main" val="1024200589"/>
+        <p14:creationId xmlns:p14="http://schemas.microsoft.com/office/powerpoint/2010/main" val="3149998057"/>
       </p:ext>
     </p:extLst>
   </p:cSld>
   <p:clrMapOvr>
     <a:masterClrMapping/>
   </p:clrMapOvr>
-  <p:transition spd="slow">
+  <p:transition>
     <p:push dir="u"/>
   </p:transition>
 </p:sldLayout>
@@ -959,14 +959,14 @@
     </p:spTree>
     <p:extLst>
       <p:ext uri="{BB962C8B-B14F-4D97-AF65-F5344CB8AC3E}">
-        <p14:creationId xmlns:p14="http://schemas.microsoft.com/office/powerpoint/2010/main" val="3856399767"/>
+        <p14:creationId xmlns:p14="http://schemas.microsoft.com/office/powerpoint/2010/main" val="1898369095"/>
       </p:ext>
     </p:extLst>
   </p:cSld>
   <p:clrMapOvr>
     <a:masterClrMapping/>
   </p:clrMapOvr>
-  <p:transition spd="slow">
+  <p:transition>
     <p:push dir="u"/>
   </p:transition>
 </p:sldLayout>
@@ -1258,14 +1258,14 @@
     </p:spTree>
     <p:extLst>
       <p:ext uri="{BB962C8B-B14F-4D97-AF65-F5344CB8AC3E}">
-        <p14:creationId xmlns:p14="http://schemas.microsoft.com/office/powerpoint/2010/main" val="2296690134"/>
+        <p14:creationId xmlns:p14="http://schemas.microsoft.com/office/powerpoint/2010/main" val="542360758"/>
       </p:ext>
     </p:extLst>
   </p:cSld>
   <p:clrMapOvr>
     <a:masterClrMapping/>
   </p:clrMapOvr>
-  <p:transition spd="slow">
+  <p:transition>
     <p:push dir="u"/>
   </p:transition>
 </p:sldLayout>
@@ -1491,18 +1491,18 @@
     </p:spTree>
     <p:extLst>
       <p:ext uri="{BB962C8B-B14F-4D97-AF65-F5344CB8AC3E}">
-        <p14:creationId xmlns:p14="http://schemas.microsoft.com/office/powerpoint/2010/main" val="2830474354"/>
+        <p14:creationId xmlns:p14="http://schemas.microsoft.com/office/powerpoint/2010/main" val="164736347"/>
       </p:ext>
     </p:extLst>
   </p:cSld>
   <p:clrMap bg1="dk1" tx1="lt1" bg2="dk2" tx2="lt2" accent1="accent1" accent2="accent2" accent3="accent3" accent4="accent4" accent5="accent5" accent6="accent6" hlink="hlink" folHlink="folHlink"/>
   <p:sldLayoutIdLst>
-    <p:sldLayoutId id="2147483674" r:id="rId1"/>
-    <p:sldLayoutId id="2147483675" r:id="rId2"/>
-    <p:sldLayoutId id="2147483676" r:id="rId3"/>
-    <p:sldLayoutId id="2147483677" r:id="rId4"/>
+    <p:sldLayoutId id="2147483679" r:id="rId1"/>
+    <p:sldLayoutId id="2147483680" r:id="rId2"/>
+    <p:sldLayoutId id="2147483681" r:id="rId3"/>
+    <p:sldLayoutId id="2147483682" r:id="rId4"/>
   </p:sldLayoutIdLst>
-  <p:transition spd="slow">
+  <p:transition>
     <p:push dir="u"/>
   </p:transition>
   <p:txStyles>
@@ -1875,7 +1875,7 @@
   <p:clrMapOvr>
     <a:masterClrMapping/>
   </p:clrMapOvr>
-  <p:transition spd="slow">
+  <p:transition>
     <p:push dir="u"/>
   </p:transition>
 </p:sld>
@@ -5989,7 +5989,7 @@
   <p:clrMapOvr>
     <a:masterClrMapping/>
   </p:clrMapOvr>
-  <p:transition spd="slow">
+  <p:transition>
     <p:push dir="u"/>
   </p:transition>
 </p:sld>
@@ -7948,7 +7948,7 @@
   <p:clrMapOvr>
     <a:masterClrMapping/>
   </p:clrMapOvr>
-  <p:transition spd="slow">
+  <p:transition>
     <p:push dir="u"/>
   </p:transition>
 </p:sld>
@@ -10116,7 +10116,7 @@
   <p:clrMapOvr>
     <a:masterClrMapping/>
   </p:clrMapOvr>
-  <p:transition spd="slow">
+  <p:transition>
     <p:push dir="u"/>
   </p:transition>
 </p:sld>
@@ -13126,7 +13126,7 @@
   <p:clrMapOvr>
     <a:masterClrMapping/>
   </p:clrMapOvr>
-  <p:transition spd="slow">
+  <p:transition>
     <p:push dir="u"/>
   </p:transition>
 </p:sld>
@@ -15800,7 +15800,7 @@
   <p:clrMapOvr>
     <a:masterClrMapping/>
   </p:clrMapOvr>
-  <p:transition spd="slow">
+  <p:transition>
     <p:push dir="u"/>
   </p:transition>
 </p:sld>
@@ -18865,7 +18865,7 @@
   <p:clrMapOvr>
     <a:masterClrMapping/>
   </p:clrMapOvr>
-  <p:transition spd="slow">
+  <p:transition>
     <p:push dir="u"/>
   </p:transition>
 </p:sld>
@@ -21407,7 +21407,7 @@
   <p:clrMapOvr>
     <a:masterClrMapping/>
   </p:clrMapOvr>
-  <p:transition spd="slow">
+  <p:transition>
     <p:push dir="u"/>
   </p:transition>
 </p:sld>
@@ -24508,7 +24508,7 @@
   <p:clrMapOvr>
     <a:masterClrMapping/>
   </p:clrMapOvr>
-  <p:transition spd="slow">
+  <p:transition>
     <p:push dir="u"/>
   </p:transition>
 </p:sld>
@@ -25342,7 +25342,7 @@
   <p:clrMapOvr>
     <a:masterClrMapping/>
   </p:clrMapOvr>
-  <p:transition spd="slow">
+  <p:transition>
     <p:push dir="u"/>
   </p:transition>
 </p:sld>
@@ -25569,7 +25569,7 @@
   <a:extraClrSchemeLst/>
   <a:extLst>
     <a:ext uri="{05A4C25C-085E-4340-85A3-A5531E510DB2}">
-      <thm15:themeFamily xmlns:thm15="http://schemas.microsoft.com/office/thememl/2012/main" name="TYIC" id="{1CBE48E2-41FD-4EDA-8801-606A138B7FC3}" vid="{F6EAACDE-0833-4468-B256-0551E0034979}"/>
+      <thm15:themeFamily xmlns:thm15="http://schemas.microsoft.com/office/thememl/2012/main" name="TYIC" id="{5F22F33A-EA50-4F22-9F2C-8A64A179567F}" vid="{3247D5A2-1B78-4AF4-9AA5-9AF4332DE771}"/>
     </a:ext>
   </a:extLst>
 </a:theme>

--- a/ppt/12_介面.pptx
+++ b/ppt/12_介面.pptx
@@ -4639,7 +4639,7 @@
                   <a:latin typeface="+mj-lt"/>
                   <a:cs typeface="JetBrains Mono" panose="02000009000000000000" pitchFamily="49" charset="0"/>
                 </a:rPr>
-                <a:t>S</a:t>
+                <a:t>Num</a:t>
               </a:r>
               <a:r>
                 <a:rPr kumimoji="0" lang="zh-TW" altLang="zh-TW" sz="1100" b="0" i="0" u="none" strike="noStrike" cap="none" normalizeH="0" baseline="0">
@@ -4653,7 +4653,7 @@
                   <a:latin typeface="+mj-lt"/>
                   <a:cs typeface="JetBrains Mono" panose="02000009000000000000" pitchFamily="49" charset="0"/>
                 </a:rPr>
-                <a:t>tudentMapper {</a:t>
+                <a:t>Mapper {</a:t>
               </a:r>
               <a:br>
                 <a:rPr kumimoji="0" lang="zh-TW" altLang="zh-TW" sz="1100" b="0" i="0" u="none" strike="noStrike" cap="none" normalizeH="0" baseline="0">
@@ -5299,7 +5299,7 @@
                   <a:latin typeface="+mj-lt"/>
                   <a:cs typeface="JetBrains Mono" panose="02000009000000000000" pitchFamily="49" charset="0"/>
                 </a:rPr>
-                <a:t>S</a:t>
+                <a:t>Num</a:t>
               </a:r>
               <a:r>
                 <a:rPr kumimoji="0" lang="zh-TW" altLang="zh-TW" sz="1100" b="0" i="0" u="none" strike="noStrike" cap="none" normalizeH="0" baseline="0">
@@ -5313,7 +5313,7 @@
                   <a:latin typeface="+mj-lt"/>
                   <a:cs typeface="JetBrains Mono" panose="02000009000000000000" pitchFamily="49" charset="0"/>
                 </a:rPr>
-                <a:t>tudentMapper mapFunction, Object[] dstArray) {</a:t>
+                <a:t>Mapper mapFunction, Object[] dstArray) {</a:t>
               </a:r>
               <a:br>
                 <a:rPr kumimoji="0" lang="zh-TW" altLang="zh-TW" sz="1100" b="0" i="0" u="none" strike="noStrike" cap="none" normalizeH="0" baseline="0">
